--- a/tutorial/conclusion.pptx
+++ b/tutorial/conclusion.pptx
@@ -6,20 +6,17 @@
     <p:sldMasterId id="2147484231" r:id="rId2"/>
   </p:sldMasterIdLst>
   <p:notesMasterIdLst>
-    <p:notesMasterId r:id="rId11"/>
+    <p:notesMasterId r:id="rId8"/>
   </p:notesMasterIdLst>
   <p:handoutMasterIdLst>
-    <p:handoutMasterId r:id="rId12"/>
+    <p:handoutMasterId r:id="rId9"/>
   </p:handoutMasterIdLst>
   <p:sldIdLst>
     <p:sldId id="2356" r:id="rId3"/>
-    <p:sldId id="2357" r:id="rId4"/>
-    <p:sldId id="2338" r:id="rId5"/>
-    <p:sldId id="2352" r:id="rId6"/>
-    <p:sldId id="2353" r:id="rId7"/>
-    <p:sldId id="2355" r:id="rId8"/>
-    <p:sldId id="2354" r:id="rId9"/>
-    <p:sldId id="2350" r:id="rId10"/>
+    <p:sldId id="2353" r:id="rId4"/>
+    <p:sldId id="2355" r:id="rId5"/>
+    <p:sldId id="2354" r:id="rId6"/>
+    <p:sldId id="2350" r:id="rId7"/>
   </p:sldIdLst>
   <p:sldSz cx="12192000" cy="6858000"/>
   <p:notesSz cx="6858000" cy="9144000"/>
@@ -155,7 +152,7 @@
 <file path=ppt/revisionInfo.xml><?xml version="1.0" encoding="utf-8"?>
 <p1510:revInfo xmlns:a="http://schemas.openxmlformats.org/drawingml/2006/main" xmlns:r="http://schemas.openxmlformats.org/officeDocument/2006/relationships" xmlns:p1510="http://schemas.microsoft.com/office/powerpoint/2015/10/main">
   <p1510:revLst>
-    <p1510:client id="{24A40960-57DA-9A43-A74A-63D8ABBA0721}" v="4" dt="2023-01-31T23:04:00.021"/>
+    <p1510:client id="{24A40960-57DA-9A43-A74A-63D8ABBA0721}" v="6" dt="2023-02-21T17:08:50.639"/>
   </p1510:revLst>
 </p1510:revInfo>
 </file>
@@ -16823,8 +16820,8 @@
   </pc:docChgLst>
   <pc:docChgLst>
     <pc:chgData name="Oliver Alvarado Rodriguez" userId="b43339a2721ca99e" providerId="LiveId" clId="{24A40960-57DA-9A43-A74A-63D8ABBA0721}"/>
-    <pc:docChg chg="addSld delSld modSld">
-      <pc:chgData name="Oliver Alvarado Rodriguez" userId="b43339a2721ca99e" providerId="LiveId" clId="{24A40960-57DA-9A43-A74A-63D8ABBA0721}" dt="2023-01-31T23:04:46.794" v="257" actId="20577"/>
+    <pc:docChg chg="custSel addSld delSld modSld">
+      <pc:chgData name="Oliver Alvarado Rodriguez" userId="b43339a2721ca99e" providerId="LiveId" clId="{24A40960-57DA-9A43-A74A-63D8ABBA0721}" dt="2023-02-22T18:17:50.444" v="1577" actId="2696"/>
       <pc:docMkLst>
         <pc:docMk/>
       </pc:docMkLst>
@@ -16884,6 +16881,13 @@
           <pc:sldMk cId="1262776151" sldId="2321"/>
         </pc:sldMkLst>
       </pc:sldChg>
+      <pc:sldChg chg="add del">
+        <pc:chgData name="Oliver Alvarado Rodriguez" userId="b43339a2721ca99e" providerId="LiveId" clId="{24A40960-57DA-9A43-A74A-63D8ABBA0721}" dt="2023-02-21T17:08:05.258" v="645" actId="2696"/>
+        <pc:sldMkLst>
+          <pc:docMk/>
+          <pc:sldMk cId="2429308708" sldId="2322"/>
+        </pc:sldMkLst>
+      </pc:sldChg>
       <pc:sldChg chg="del">
         <pc:chgData name="Oliver Alvarado Rodriguez" userId="b43339a2721ca99e" providerId="LiveId" clId="{24A40960-57DA-9A43-A74A-63D8ABBA0721}" dt="2023-01-31T22:03:17.082" v="9" actId="2696"/>
         <pc:sldMkLst>
@@ -16912,8 +16916,15 @@
           <pc:sldMk cId="2025164080" sldId="2335"/>
         </pc:sldMkLst>
       </pc:sldChg>
-      <pc:sldChg chg="modSp add mod">
-        <pc:chgData name="Oliver Alvarado Rodriguez" userId="b43339a2721ca99e" providerId="LiveId" clId="{24A40960-57DA-9A43-A74A-63D8ABBA0721}" dt="2023-01-31T23:04:12.692" v="229" actId="1076"/>
+      <pc:sldChg chg="add del">
+        <pc:chgData name="Oliver Alvarado Rodriguez" userId="b43339a2721ca99e" providerId="LiveId" clId="{24A40960-57DA-9A43-A74A-63D8ABBA0721}" dt="2023-02-21T17:13:41.090" v="1258" actId="2696"/>
+        <pc:sldMkLst>
+          <pc:docMk/>
+          <pc:sldMk cId="220808352" sldId="2336"/>
+        </pc:sldMkLst>
+      </pc:sldChg>
+      <pc:sldChg chg="modSp add del mod">
+        <pc:chgData name="Oliver Alvarado Rodriguez" userId="b43339a2721ca99e" providerId="LiveId" clId="{24A40960-57DA-9A43-A74A-63D8ABBA0721}" dt="2023-02-21T17:13:41.090" v="1258" actId="2696"/>
         <pc:sldMkLst>
           <pc:docMk/>
           <pc:sldMk cId="1485922778" sldId="2338"/>
@@ -16928,6 +16939,20 @@
         </pc:spChg>
       </pc:sldChg>
       <pc:sldChg chg="add del">
+        <pc:chgData name="Oliver Alvarado Rodriguez" userId="b43339a2721ca99e" providerId="LiveId" clId="{24A40960-57DA-9A43-A74A-63D8ABBA0721}" dt="2023-02-21T17:08:05.258" v="645" actId="2696"/>
+        <pc:sldMkLst>
+          <pc:docMk/>
+          <pc:sldMk cId="66753782" sldId="2339"/>
+        </pc:sldMkLst>
+      </pc:sldChg>
+      <pc:sldChg chg="add del">
+        <pc:chgData name="Oliver Alvarado Rodriguez" userId="b43339a2721ca99e" providerId="LiveId" clId="{24A40960-57DA-9A43-A74A-63D8ABBA0721}" dt="2023-02-21T17:08:05.258" v="645" actId="2696"/>
+        <pc:sldMkLst>
+          <pc:docMk/>
+          <pc:sldMk cId="1933896587" sldId="2340"/>
+        </pc:sldMkLst>
+      </pc:sldChg>
+      <pc:sldChg chg="add del">
         <pc:chgData name="Oliver Alvarado Rodriguez" userId="b43339a2721ca99e" providerId="LiveId" clId="{24A40960-57DA-9A43-A74A-63D8ABBA0721}" dt="2023-01-31T23:01:18.228" v="76" actId="2696"/>
         <pc:sldMkLst>
           <pc:docMk/>
@@ -16955,8 +16980,8 @@
           <pc:sldMk cId="2695124348" sldId="2351"/>
         </pc:sldMkLst>
       </pc:sldChg>
-      <pc:sldChg chg="modSp add mod">
-        <pc:chgData name="Oliver Alvarado Rodriguez" userId="b43339a2721ca99e" providerId="LiveId" clId="{24A40960-57DA-9A43-A74A-63D8ABBA0721}" dt="2023-01-31T22:56:44.909" v="72" actId="20577"/>
+      <pc:sldChg chg="modSp add del mod">
+        <pc:chgData name="Oliver Alvarado Rodriguez" userId="b43339a2721ca99e" providerId="LiveId" clId="{24A40960-57DA-9A43-A74A-63D8ABBA0721}" dt="2023-02-13T22:43:01.215" v="259" actId="2696"/>
         <pc:sldMkLst>
           <pc:docMk/>
           <pc:sldMk cId="2427235843" sldId="2352"/>
@@ -16970,21 +16995,37 @@
           </ac:spMkLst>
         </pc:spChg>
       </pc:sldChg>
-      <pc:sldChg chg="add">
-        <pc:chgData name="Oliver Alvarado Rodriguez" userId="b43339a2721ca99e" providerId="LiveId" clId="{24A40960-57DA-9A43-A74A-63D8ABBA0721}" dt="2023-01-31T22:56:33.143" v="51"/>
+      <pc:sldChg chg="modSp add mod">
+        <pc:chgData name="Oliver Alvarado Rodriguez" userId="b43339a2721ca99e" providerId="LiveId" clId="{24A40960-57DA-9A43-A74A-63D8ABBA0721}" dt="2023-02-22T18:15:28.465" v="1339" actId="207"/>
         <pc:sldMkLst>
           <pc:docMk/>
           <pc:sldMk cId="1983534826" sldId="2353"/>
         </pc:sldMkLst>
+        <pc:spChg chg="mod">
+          <ac:chgData name="Oliver Alvarado Rodriguez" userId="b43339a2721ca99e" providerId="LiveId" clId="{24A40960-57DA-9A43-A74A-63D8ABBA0721}" dt="2023-02-21T17:10:41.960" v="796" actId="1035"/>
+          <ac:spMkLst>
+            <pc:docMk/>
+            <pc:sldMk cId="1983534826" sldId="2353"/>
+            <ac:spMk id="2" creationId="{213EC3E2-6517-6B90-95EF-A8F17766037E}"/>
+          </ac:spMkLst>
+        </pc:spChg>
+        <pc:spChg chg="mod">
+          <ac:chgData name="Oliver Alvarado Rodriguez" userId="b43339a2721ca99e" providerId="LiveId" clId="{24A40960-57DA-9A43-A74A-63D8ABBA0721}" dt="2023-02-22T18:15:28.465" v="1339" actId="207"/>
+          <ac:spMkLst>
+            <pc:docMk/>
+            <pc:sldMk cId="1983534826" sldId="2353"/>
+            <ac:spMk id="34" creationId="{4A4F82ED-E719-62F1-E0CA-32F1A45BA775}"/>
+          </ac:spMkLst>
+        </pc:spChg>
       </pc:sldChg>
       <pc:sldChg chg="modSp add mod">
-        <pc:chgData name="Oliver Alvarado Rodriguez" userId="b43339a2721ca99e" providerId="LiveId" clId="{24A40960-57DA-9A43-A74A-63D8ABBA0721}" dt="2023-01-31T23:02:10.744" v="139" actId="20577"/>
+        <pc:chgData name="Oliver Alvarado Rodriguez" userId="b43339a2721ca99e" providerId="LiveId" clId="{24A40960-57DA-9A43-A74A-63D8ABBA0721}" dt="2023-02-22T18:17:25.236" v="1576" actId="20577"/>
         <pc:sldMkLst>
           <pc:docMk/>
           <pc:sldMk cId="303228679" sldId="2354"/>
         </pc:sldMkLst>
         <pc:spChg chg="mod">
-          <ac:chgData name="Oliver Alvarado Rodriguez" userId="b43339a2721ca99e" providerId="LiveId" clId="{24A40960-57DA-9A43-A74A-63D8ABBA0721}" dt="2023-01-31T23:02:10.744" v="139" actId="20577"/>
+          <ac:chgData name="Oliver Alvarado Rodriguez" userId="b43339a2721ca99e" providerId="LiveId" clId="{24A40960-57DA-9A43-A74A-63D8ABBA0721}" dt="2023-02-22T18:17:25.236" v="1576" actId="20577"/>
           <ac:spMkLst>
             <pc:docMk/>
             <pc:sldMk cId="303228679" sldId="2354"/>
@@ -16993,13 +17034,13 @@
         </pc:spChg>
       </pc:sldChg>
       <pc:sldChg chg="modSp add del mod">
-        <pc:chgData name="Oliver Alvarado Rodriguez" userId="b43339a2721ca99e" providerId="LiveId" clId="{24A40960-57DA-9A43-A74A-63D8ABBA0721}" dt="2023-01-31T23:02:49.952" v="193" actId="20577"/>
+        <pc:chgData name="Oliver Alvarado Rodriguez" userId="b43339a2721ca99e" providerId="LiveId" clId="{24A40960-57DA-9A43-A74A-63D8ABBA0721}" dt="2023-02-21T17:10:57.341" v="803" actId="207"/>
         <pc:sldMkLst>
           <pc:docMk/>
           <pc:sldMk cId="1789105518" sldId="2355"/>
         </pc:sldMkLst>
         <pc:spChg chg="mod">
-          <ac:chgData name="Oliver Alvarado Rodriguez" userId="b43339a2721ca99e" providerId="LiveId" clId="{24A40960-57DA-9A43-A74A-63D8ABBA0721}" dt="2023-01-31T23:02:49.952" v="193" actId="20577"/>
+          <ac:chgData name="Oliver Alvarado Rodriguez" userId="b43339a2721ca99e" providerId="LiveId" clId="{24A40960-57DA-9A43-A74A-63D8ABBA0721}" dt="2023-02-21T17:10:57.341" v="803" actId="207"/>
           <ac:spMkLst>
             <pc:docMk/>
             <pc:sldMk cId="1789105518" sldId="2355"/>
@@ -17008,13 +17049,13 @@
         </pc:spChg>
       </pc:sldChg>
       <pc:sldChg chg="modSp mod">
-        <pc:chgData name="Oliver Alvarado Rodriguez" userId="b43339a2721ca99e" providerId="LiveId" clId="{24A40960-57DA-9A43-A74A-63D8ABBA0721}" dt="2023-01-31T22:04:02.261" v="29" actId="20577"/>
+        <pc:chgData name="Oliver Alvarado Rodriguez" userId="b43339a2721ca99e" providerId="LiveId" clId="{24A40960-57DA-9A43-A74A-63D8ABBA0721}" dt="2023-02-13T22:43:37.345" v="261" actId="113"/>
         <pc:sldMkLst>
           <pc:docMk/>
           <pc:sldMk cId="1467173217" sldId="2356"/>
         </pc:sldMkLst>
         <pc:spChg chg="mod">
-          <ac:chgData name="Oliver Alvarado Rodriguez" userId="b43339a2721ca99e" providerId="LiveId" clId="{24A40960-57DA-9A43-A74A-63D8ABBA0721}" dt="2023-01-31T22:04:02.261" v="29" actId="20577"/>
+          <ac:chgData name="Oliver Alvarado Rodriguez" userId="b43339a2721ca99e" providerId="LiveId" clId="{24A40960-57DA-9A43-A74A-63D8ABBA0721}" dt="2023-02-13T22:43:37.345" v="261" actId="113"/>
           <ac:spMkLst>
             <pc:docMk/>
             <pc:sldMk cId="1467173217" sldId="2356"/>
@@ -17022,8 +17063,8 @@
           </ac:spMkLst>
         </pc:spChg>
       </pc:sldChg>
-      <pc:sldChg chg="modSp new mod">
-        <pc:chgData name="Oliver Alvarado Rodriguez" userId="b43339a2721ca99e" providerId="LiveId" clId="{24A40960-57DA-9A43-A74A-63D8ABBA0721}" dt="2023-01-31T23:04:46.794" v="257" actId="20577"/>
+      <pc:sldChg chg="modSp new del mod">
+        <pc:chgData name="Oliver Alvarado Rodriguez" userId="b43339a2721ca99e" providerId="LiveId" clId="{24A40960-57DA-9A43-A74A-63D8ABBA0721}" dt="2023-02-13T22:42:55.171" v="258" actId="2696"/>
         <pc:sldMkLst>
           <pc:docMk/>
           <pc:sldMk cId="292740069" sldId="2357"/>
@@ -17074,6 +17115,29 @@
           </ac:spMkLst>
         </pc:spChg>
       </pc:sldChg>
+      <pc:sldChg chg="modSp new del mod">
+        <pc:chgData name="Oliver Alvarado Rodriguez" userId="b43339a2721ca99e" providerId="LiveId" clId="{24A40960-57DA-9A43-A74A-63D8ABBA0721}" dt="2023-02-22T18:17:50.444" v="1577" actId="2696"/>
+        <pc:sldMkLst>
+          <pc:docMk/>
+          <pc:sldMk cId="3919995055" sldId="2357"/>
+        </pc:sldMkLst>
+        <pc:spChg chg="mod">
+          <ac:chgData name="Oliver Alvarado Rodriguez" userId="b43339a2721ca99e" providerId="LiveId" clId="{24A40960-57DA-9A43-A74A-63D8ABBA0721}" dt="2023-02-13T22:44:05.860" v="270" actId="20577"/>
+          <ac:spMkLst>
+            <pc:docMk/>
+            <pc:sldMk cId="3919995055" sldId="2357"/>
+            <ac:spMk id="2" creationId="{F8E52F22-E074-6DDD-EDE0-DD87C5332776}"/>
+          </ac:spMkLst>
+        </pc:spChg>
+        <pc:spChg chg="mod">
+          <ac:chgData name="Oliver Alvarado Rodriguez" userId="b43339a2721ca99e" providerId="LiveId" clId="{24A40960-57DA-9A43-A74A-63D8ABBA0721}" dt="2023-02-22T18:15:17.359" v="1338" actId="207"/>
+          <ac:spMkLst>
+            <pc:docMk/>
+            <pc:sldMk cId="3919995055" sldId="2357"/>
+            <ac:spMk id="3" creationId="{195C4469-512E-5984-7FEE-1A8EB3E8A3CD}"/>
+          </ac:spMkLst>
+        </pc:spChg>
+      </pc:sldChg>
       <pc:sldChg chg="del">
         <pc:chgData name="Oliver Alvarado Rodriguez" userId="b43339a2721ca99e" providerId="LiveId" clId="{24A40960-57DA-9A43-A74A-63D8ABBA0721}" dt="2023-01-31T22:03:17.422" v="16" actId="2696"/>
         <pc:sldMkLst>
@@ -17087,6 +17151,28 @@
           <pc:docMk/>
           <pc:sldMk cId="1372658925" sldId="2358"/>
         </pc:sldMkLst>
+      </pc:sldChg>
+      <pc:sldChg chg="new del">
+        <pc:chgData name="Oliver Alvarado Rodriguez" userId="b43339a2721ca99e" providerId="LiveId" clId="{24A40960-57DA-9A43-A74A-63D8ABBA0721}" dt="2023-02-21T17:08:52.681" v="648" actId="2696"/>
+        <pc:sldMkLst>
+          <pc:docMk/>
+          <pc:sldMk cId="2516690919" sldId="2358"/>
+        </pc:sldMkLst>
+      </pc:sldChg>
+      <pc:sldChg chg="modSp new del mod">
+        <pc:chgData name="Oliver Alvarado Rodriguez" userId="b43339a2721ca99e" providerId="LiveId" clId="{24A40960-57DA-9A43-A74A-63D8ABBA0721}" dt="2023-02-14T14:47:12.422" v="644" actId="2696"/>
+        <pc:sldMkLst>
+          <pc:docMk/>
+          <pc:sldMk cId="3906679636" sldId="2358"/>
+        </pc:sldMkLst>
+        <pc:spChg chg="mod">
+          <ac:chgData name="Oliver Alvarado Rodriguez" userId="b43339a2721ca99e" providerId="LiveId" clId="{24A40960-57DA-9A43-A74A-63D8ABBA0721}" dt="2023-02-14T14:46:28.579" v="642" actId="20577"/>
+          <ac:spMkLst>
+            <pc:docMk/>
+            <pc:sldMk cId="3906679636" sldId="2358"/>
+            <ac:spMk id="2" creationId="{64F56AD6-62F1-4BF6-65B2-70CB71DFE1D3}"/>
+          </ac:spMkLst>
+        </pc:spChg>
       </pc:sldChg>
       <pc:sldChg chg="del">
         <pc:chgData name="Oliver Alvarado Rodriguez" userId="b43339a2721ca99e" providerId="LiveId" clId="{24A40960-57DA-9A43-A74A-63D8ABBA0721}" dt="2023-01-31T22:03:17.076" v="7" actId="2696"/>
@@ -18706,7 +18792,7 @@
           <a:p>
             <a:fld id="{0C9D9D6C-DDDD-44D5-936F-260630629DC3}" type="datetimeFigureOut">
               <a:rPr lang="en-US" smtClean="0"/>
-              <a:t>1/31/23</a:t>
+              <a:t>2/22/23</a:t>
             </a:fld>
             <a:endParaRPr lang="en-US"/>
           </a:p>
@@ -18884,7 +18970,7 @@
             <a:fld id="{A242BAAA-9D22-4735-B787-614B2D74B82E}" type="datetimeFigureOut">
               <a:rPr lang="en-US" smtClean="0"/>
               <a:pPr/>
-              <a:t>1/31/23</a:t>
+              <a:t>2/22/23</a:t>
             </a:fld>
             <a:endParaRPr lang="en-US"/>
           </a:p>
@@ -19218,7 +19304,7 @@
             <a:fld id="{C37817B9-C605-44EA-972E-10D355BFCD0E}" type="slidenum">
               <a:rPr lang="en-US" smtClean="0"/>
               <a:pPr/>
-              <a:t>7</a:t>
+              <a:t>4</a:t>
             </a:fld>
             <a:endParaRPr lang="en-US"/>
           </a:p>
@@ -25488,12 +25574,8 @@
           </a:p>
           <a:p>
             <a:r>
-              <a:rPr lang="en-US" b="1" dirty="0"/>
-              <a:t>Oliver Alvarado Rodriguez</a:t>
-            </a:r>
-            <a:r>
               <a:rPr lang="en-US" dirty="0"/>
-              <a:t>, </a:t>
+              <a:t>Oliver Alvarado Rodriguez, </a:t>
             </a:r>
             <a:r>
               <a:rPr lang="en-US" dirty="0" err="1"/>
@@ -25512,12 +25594,16 @@
               <a:t>, </a:t>
             </a:r>
             <a:r>
-              <a:rPr lang="en-US" dirty="0" err="1"/>
+              <a:rPr lang="en-US" b="1" dirty="0" err="1"/>
               <a:t>Zhihui</a:t>
             </a:r>
             <a:r>
+              <a:rPr lang="en-US" b="1" dirty="0"/>
+              <a:t> Du</a:t>
+            </a:r>
+            <a:r>
               <a:rPr lang="en-US" dirty="0"/>
-              <a:t> Du, David Bader</a:t>
+              <a:t>, David Bader</a:t>
             </a:r>
             <a:endParaRPr lang="en-US" b="1" dirty="0"/>
           </a:p>
@@ -25558,757 +25644,6 @@
           <p:cNvPr id="2" name="Title 1">
             <a:extLst>
               <a:ext uri="{FF2B5EF4-FFF2-40B4-BE49-F238E27FC236}">
-                <a16:creationId xmlns:a16="http://schemas.microsoft.com/office/drawing/2014/main" id="{15ABA536-B9AC-43D0-1FF9-43646953F1A9}"/>
-              </a:ext>
-            </a:extLst>
-          </p:cNvPr>
-          <p:cNvSpPr>
-            <a:spLocks noGrp="1"/>
-          </p:cNvSpPr>
-          <p:nvPr>
-            <p:ph type="title"/>
-          </p:nvPr>
-        </p:nvSpPr>
-        <p:spPr/>
-        <p:txBody>
-          <a:bodyPr/>
-          <a:lstStyle/>
-          <a:p>
-            <a:r>
-              <a:rPr lang="en-US" dirty="0"/>
-              <a:t>Arkouda Performance Results</a:t>
-            </a:r>
-          </a:p>
-        </p:txBody>
-      </p:sp>
-      <p:sp>
-        <p:nvSpPr>
-          <p:cNvPr id="3" name="Content Placeholder 2">
-            <a:extLst>
-              <a:ext uri="{FF2B5EF4-FFF2-40B4-BE49-F238E27FC236}">
-                <a16:creationId xmlns:a16="http://schemas.microsoft.com/office/drawing/2014/main" id="{FE4FBCFC-B519-E9AF-4349-5124FED0362F}"/>
-              </a:ext>
-            </a:extLst>
-          </p:cNvPr>
-          <p:cNvSpPr>
-            <a:spLocks noGrp="1"/>
-          </p:cNvSpPr>
-          <p:nvPr>
-            <p:ph idx="1"/>
-          </p:nvPr>
-        </p:nvSpPr>
-        <p:spPr/>
-        <p:txBody>
-          <a:bodyPr/>
-          <a:lstStyle/>
-          <a:p>
-            <a:endParaRPr lang="en-US"/>
-          </a:p>
-        </p:txBody>
-      </p:sp>
-      <p:sp>
-        <p:nvSpPr>
-          <p:cNvPr id="4" name="Date Placeholder 3">
-            <a:extLst>
-              <a:ext uri="{FF2B5EF4-FFF2-40B4-BE49-F238E27FC236}">
-                <a16:creationId xmlns:a16="http://schemas.microsoft.com/office/drawing/2014/main" id="{05B4D970-A6F6-641A-AED5-835FC5A86958}"/>
-              </a:ext>
-            </a:extLst>
-          </p:cNvPr>
-          <p:cNvSpPr>
-            <a:spLocks noGrp="1"/>
-          </p:cNvSpPr>
-          <p:nvPr>
-            <p:ph type="dt" sz="half" idx="10"/>
-          </p:nvPr>
-        </p:nvSpPr>
-        <p:spPr/>
-        <p:txBody>
-          <a:bodyPr/>
-          <a:lstStyle/>
-          <a:p>
-            <a:r>
-              <a:rPr lang="en-US"/>
-              <a:t>05 December 2022</a:t>
-            </a:r>
-          </a:p>
-        </p:txBody>
-      </p:sp>
-      <p:sp>
-        <p:nvSpPr>
-          <p:cNvPr id="5" name="Footer Placeholder 4">
-            <a:extLst>
-              <a:ext uri="{FF2B5EF4-FFF2-40B4-BE49-F238E27FC236}">
-                <a16:creationId xmlns:a16="http://schemas.microsoft.com/office/drawing/2014/main" id="{8C5BBC84-5994-5445-8B17-39A031E45603}"/>
-              </a:ext>
-            </a:extLst>
-          </p:cNvPr>
-          <p:cNvSpPr>
-            <a:spLocks noGrp="1"/>
-          </p:cNvSpPr>
-          <p:nvPr>
-            <p:ph type="ftr" sz="quarter" idx="11"/>
-          </p:nvPr>
-        </p:nvSpPr>
-        <p:spPr/>
-        <p:txBody>
-          <a:bodyPr/>
-          <a:lstStyle/>
-          <a:p>
-            <a:r>
-              <a:rPr lang="en-US"/>
-              <a:t>Oliver Alvarado Rodriguez</a:t>
-            </a:r>
-          </a:p>
-        </p:txBody>
-      </p:sp>
-      <p:sp>
-        <p:nvSpPr>
-          <p:cNvPr id="6" name="Slide Number Placeholder 5">
-            <a:extLst>
-              <a:ext uri="{FF2B5EF4-FFF2-40B4-BE49-F238E27FC236}">
-                <a16:creationId xmlns:a16="http://schemas.microsoft.com/office/drawing/2014/main" id="{FA9D6495-DF56-AAB2-6930-D452379B4DE5}"/>
-              </a:ext>
-            </a:extLst>
-          </p:cNvPr>
-          <p:cNvSpPr>
-            <a:spLocks noGrp="1"/>
-          </p:cNvSpPr>
-          <p:nvPr>
-            <p:ph type="sldNum" sz="quarter" idx="12"/>
-          </p:nvPr>
-        </p:nvSpPr>
-        <p:spPr/>
-        <p:txBody>
-          <a:bodyPr/>
-          <a:lstStyle/>
-          <a:p>
-            <a:fld id="{FBC21C09-1F28-420E-9762-2681B3C98751}" type="slidenum">
-              <a:rPr lang="en-US" smtClean="0"/>
-              <a:t>2</a:t>
-            </a:fld>
-            <a:endParaRPr lang="en-US"/>
-          </a:p>
-        </p:txBody>
-      </p:sp>
-    </p:spTree>
-    <p:extLst>
-      <p:ext uri="{BB962C8B-B14F-4D97-AF65-F5344CB8AC3E}">
-        <p14:creationId xmlns:p14="http://schemas.microsoft.com/office/powerpoint/2010/main" val="292740069"/>
-      </p:ext>
-    </p:extLst>
-  </p:cSld>
-  <p:clrMapOvr>
-    <a:masterClrMapping/>
-  </p:clrMapOvr>
-</p:sld>
-</file>
-
-<file path=ppt/slides/slide3.xml><?xml version="1.0" encoding="utf-8"?>
-<p:sld xmlns:a="http://schemas.openxmlformats.org/drawingml/2006/main" xmlns:r="http://schemas.openxmlformats.org/officeDocument/2006/relationships" xmlns:p="http://schemas.openxmlformats.org/presentationml/2006/main">
-  <p:cSld>
-    <p:spTree>
-      <p:nvGrpSpPr>
-        <p:cNvPr id="1" name=""/>
-        <p:cNvGrpSpPr/>
-        <p:nvPr/>
-      </p:nvGrpSpPr>
-      <p:grpSpPr>
-        <a:xfrm>
-          <a:off x="0" y="0"/>
-          <a:ext cx="0" cy="0"/>
-          <a:chOff x="0" y="0"/>
-          <a:chExt cx="0" cy="0"/>
-        </a:xfrm>
-      </p:grpSpPr>
-      <p:sp>
-        <p:nvSpPr>
-          <p:cNvPr id="4" name="Date Placeholder 3">
-            <a:extLst>
-              <a:ext uri="{FF2B5EF4-FFF2-40B4-BE49-F238E27FC236}">
-                <a16:creationId xmlns:a16="http://schemas.microsoft.com/office/drawing/2014/main" id="{82886F1C-D0D0-FE1F-8C09-2CE4465A3870}"/>
-              </a:ext>
-            </a:extLst>
-          </p:cNvPr>
-          <p:cNvSpPr>
-            <a:spLocks noGrp="1"/>
-          </p:cNvSpPr>
-          <p:nvPr>
-            <p:ph type="dt" sz="half" idx="10"/>
-          </p:nvPr>
-        </p:nvSpPr>
-        <p:spPr/>
-        <p:txBody>
-          <a:bodyPr/>
-          <a:lstStyle/>
-          <a:p>
-            <a:r>
-              <a:rPr lang="en-US"/>
-              <a:t>05 December 2022</a:t>
-            </a:r>
-          </a:p>
-        </p:txBody>
-      </p:sp>
-      <p:sp>
-        <p:nvSpPr>
-          <p:cNvPr id="5" name="Footer Placeholder 4">
-            <a:extLst>
-              <a:ext uri="{FF2B5EF4-FFF2-40B4-BE49-F238E27FC236}">
-                <a16:creationId xmlns:a16="http://schemas.microsoft.com/office/drawing/2014/main" id="{8463FEE2-A3F3-0128-4897-A87D91A20BAA}"/>
-              </a:ext>
-            </a:extLst>
-          </p:cNvPr>
-          <p:cNvSpPr>
-            <a:spLocks noGrp="1"/>
-          </p:cNvSpPr>
-          <p:nvPr>
-            <p:ph type="ftr" sz="quarter" idx="11"/>
-          </p:nvPr>
-        </p:nvSpPr>
-        <p:spPr/>
-        <p:txBody>
-          <a:bodyPr/>
-          <a:lstStyle/>
-          <a:p>
-            <a:r>
-              <a:rPr lang="en-US"/>
-              <a:t>Oliver Alvarado Rodriguez</a:t>
-            </a:r>
-          </a:p>
-        </p:txBody>
-      </p:sp>
-      <p:sp>
-        <p:nvSpPr>
-          <p:cNvPr id="6" name="Slide Number Placeholder 5">
-            <a:extLst>
-              <a:ext uri="{FF2B5EF4-FFF2-40B4-BE49-F238E27FC236}">
-                <a16:creationId xmlns:a16="http://schemas.microsoft.com/office/drawing/2014/main" id="{273D0C3F-24D6-5949-3C42-6CE19AF12966}"/>
-              </a:ext>
-            </a:extLst>
-          </p:cNvPr>
-          <p:cNvSpPr>
-            <a:spLocks noGrp="1"/>
-          </p:cNvSpPr>
-          <p:nvPr>
-            <p:ph type="sldNum" sz="quarter" idx="12"/>
-          </p:nvPr>
-        </p:nvSpPr>
-        <p:spPr/>
-        <p:txBody>
-          <a:bodyPr/>
-          <a:lstStyle/>
-          <a:p>
-            <a:fld id="{FBC21C09-1F28-420E-9762-2681B3C98751}" type="slidenum">
-              <a:rPr lang="en-US" smtClean="0"/>
-              <a:t>3</a:t>
-            </a:fld>
-            <a:endParaRPr lang="en-US"/>
-          </a:p>
-        </p:txBody>
-      </p:sp>
-      <p:pic>
-        <p:nvPicPr>
-          <p:cNvPr id="7" name="Picture 6">
-            <a:extLst>
-              <a:ext uri="{FF2B5EF4-FFF2-40B4-BE49-F238E27FC236}">
-                <a16:creationId xmlns:a16="http://schemas.microsoft.com/office/drawing/2014/main" id="{88CD4381-D011-B07F-DD62-512A0FE3900A}"/>
-              </a:ext>
-            </a:extLst>
-          </p:cNvPr>
-          <p:cNvPicPr>
-            <a:picLocks noChangeAspect="1"/>
-          </p:cNvPicPr>
-          <p:nvPr/>
-        </p:nvPicPr>
-        <p:blipFill>
-          <a:blip r:embed="rId2">
-            <a:extLst>
-              <a:ext uri="{28A0092B-C50C-407E-A947-70E740481C1C}">
-                <a14:useLocalDpi xmlns:a14="http://schemas.microsoft.com/office/drawing/2010/main" val="0"/>
-              </a:ext>
-            </a:extLst>
-          </a:blip>
-          <a:srcRect/>
-          <a:stretch/>
-        </p:blipFill>
-        <p:spPr>
-          <a:xfrm>
-            <a:off x="139148" y="533400"/>
-            <a:ext cx="5857461" cy="4393096"/>
-          </a:xfrm>
-          <a:prstGeom prst="rect">
-            <a:avLst/>
-          </a:prstGeom>
-        </p:spPr>
-      </p:pic>
-      <p:pic>
-        <p:nvPicPr>
-          <p:cNvPr id="8" name="Picture 7">
-            <a:extLst>
-              <a:ext uri="{FF2B5EF4-FFF2-40B4-BE49-F238E27FC236}">
-                <a16:creationId xmlns:a16="http://schemas.microsoft.com/office/drawing/2014/main" id="{30758054-6E55-5D0C-8629-3307CE3CCAB3}"/>
-              </a:ext>
-            </a:extLst>
-          </p:cNvPr>
-          <p:cNvPicPr>
-            <a:picLocks noChangeAspect="1"/>
-          </p:cNvPicPr>
-          <p:nvPr/>
-        </p:nvPicPr>
-        <p:blipFill>
-          <a:blip r:embed="rId3">
-            <a:extLst>
-              <a:ext uri="{28A0092B-C50C-407E-A947-70E740481C1C}">
-                <a14:useLocalDpi xmlns:a14="http://schemas.microsoft.com/office/drawing/2010/main" val="0"/>
-              </a:ext>
-            </a:extLst>
-          </a:blip>
-          <a:srcRect/>
-          <a:stretch/>
-        </p:blipFill>
-        <p:spPr>
-          <a:xfrm>
-            <a:off x="6029739" y="533400"/>
-            <a:ext cx="5857461" cy="4393096"/>
-          </a:xfrm>
-          <a:prstGeom prst="rect">
-            <a:avLst/>
-          </a:prstGeom>
-        </p:spPr>
-      </p:pic>
-      <p:sp>
-        <p:nvSpPr>
-          <p:cNvPr id="12" name="TextBox 11">
-            <a:extLst>
-              <a:ext uri="{FF2B5EF4-FFF2-40B4-BE49-F238E27FC236}">
-                <a16:creationId xmlns:a16="http://schemas.microsoft.com/office/drawing/2014/main" id="{32728C60-862C-B046-CCDC-F8D7233882E8}"/>
-              </a:ext>
-            </a:extLst>
-          </p:cNvPr>
-          <p:cNvSpPr txBox="1"/>
-          <p:nvPr/>
-        </p:nvSpPr>
-        <p:spPr>
-          <a:xfrm>
-            <a:off x="2971386" y="134505"/>
-            <a:ext cx="6249228" cy="369332"/>
-          </a:xfrm>
-          <a:prstGeom prst="rect">
-            <a:avLst/>
-          </a:prstGeom>
-          <a:noFill/>
-        </p:spPr>
-        <p:txBody>
-          <a:bodyPr wrap="square">
-            <a:spAutoFit/>
-          </a:bodyPr>
-          <a:lstStyle/>
-          <a:p>
-            <a:pPr algn="ctr"/>
-            <a:r>
-              <a:rPr lang="en-US" sz="1800" dirty="0">
-                <a:solidFill>
-                  <a:srgbClr val="C00000"/>
-                </a:solidFill>
-              </a:rPr>
-              <a:t>Arachne</a:t>
-            </a:r>
-            <a:r>
-              <a:rPr lang="en-US" sz="1800" dirty="0"/>
-              <a:t> Performance Results – Real-World and Synthetic Graphs</a:t>
-            </a:r>
-            <a:endParaRPr lang="en-US" dirty="0"/>
-          </a:p>
-        </p:txBody>
-      </p:sp>
-      <p:sp>
-        <p:nvSpPr>
-          <p:cNvPr id="13" name="TextBox 12">
-            <a:extLst>
-              <a:ext uri="{FF2B5EF4-FFF2-40B4-BE49-F238E27FC236}">
-                <a16:creationId xmlns:a16="http://schemas.microsoft.com/office/drawing/2014/main" id="{C8DCB7D0-910A-A33D-83B2-116081604EDF}"/>
-              </a:ext>
-            </a:extLst>
-          </p:cNvPr>
-          <p:cNvSpPr txBox="1"/>
-          <p:nvPr/>
-        </p:nvSpPr>
-        <p:spPr>
-          <a:xfrm>
-            <a:off x="685800" y="4724400"/>
-            <a:ext cx="5181600" cy="1477328"/>
-          </a:xfrm>
-          <a:prstGeom prst="rect">
-            <a:avLst/>
-          </a:prstGeom>
-          <a:noFill/>
-        </p:spPr>
-        <p:txBody>
-          <a:bodyPr wrap="square" rtlCol="0">
-            <a:spAutoFit/>
-          </a:bodyPr>
-          <a:lstStyle/>
-          <a:p>
-            <a:pPr algn="just"/>
-            <a:r>
-              <a:rPr lang="en-US" sz="1500" b="1" dirty="0"/>
-              <a:t>Key Points:</a:t>
-            </a:r>
-          </a:p>
-          <a:p>
-            <a:pPr marL="342900" indent="-342900" algn="just">
-              <a:buFont typeface="+mj-lt"/>
-              <a:buAutoNum type="arabicPeriod"/>
-            </a:pPr>
-            <a:r>
-              <a:rPr lang="en-US" sz="1500" dirty="0"/>
-              <a:t>Graph construction is time consuming but once the graph is built into memory all the algorithms can use it in a highly efficient way. </a:t>
-            </a:r>
-          </a:p>
-          <a:p>
-            <a:pPr marL="342900" indent="-342900" algn="just">
-              <a:buFont typeface="+mj-lt"/>
-              <a:buAutoNum type="arabicPeriod"/>
-            </a:pPr>
-            <a:r>
-              <a:rPr lang="en-US" sz="1500" dirty="0"/>
-              <a:t>The structural properties of graphs can significantly affect execution times even for the same algorithm. </a:t>
-            </a:r>
-          </a:p>
-        </p:txBody>
-      </p:sp>
-      <p:sp>
-        <p:nvSpPr>
-          <p:cNvPr id="14" name="TextBox 13">
-            <a:extLst>
-              <a:ext uri="{FF2B5EF4-FFF2-40B4-BE49-F238E27FC236}">
-                <a16:creationId xmlns:a16="http://schemas.microsoft.com/office/drawing/2014/main" id="{C4E3A7A3-1358-455C-7502-D9099720DEE4}"/>
-              </a:ext>
-            </a:extLst>
-          </p:cNvPr>
-          <p:cNvSpPr txBox="1"/>
-          <p:nvPr/>
-        </p:nvSpPr>
-        <p:spPr>
-          <a:xfrm>
-            <a:off x="6705600" y="4800600"/>
-            <a:ext cx="5105400" cy="784830"/>
-          </a:xfrm>
-          <a:prstGeom prst="rect">
-            <a:avLst/>
-          </a:prstGeom>
-          <a:noFill/>
-        </p:spPr>
-        <p:txBody>
-          <a:bodyPr wrap="square" rtlCol="0">
-            <a:spAutoFit/>
-          </a:bodyPr>
-          <a:lstStyle/>
-          <a:p>
-            <a:pPr algn="just"/>
-            <a:r>
-              <a:rPr lang="en-US" sz="1500" b="1" dirty="0"/>
-              <a:t>Key Points:</a:t>
-            </a:r>
-          </a:p>
-          <a:p>
-            <a:pPr marL="342900" indent="-342900" algn="just">
-              <a:buFont typeface="+mj-lt"/>
-              <a:buAutoNum type="arabicPeriod"/>
-            </a:pPr>
-            <a:r>
-              <a:rPr lang="en-US" sz="1500" dirty="0"/>
-              <a:t>Synthetic graphs demonstrate the scalability of our algorithms as the number of edges  in a graph increase. </a:t>
-            </a:r>
-          </a:p>
-        </p:txBody>
-      </p:sp>
-      <p:sp>
-        <p:nvSpPr>
-          <p:cNvPr id="2" name="Rounded Rectangle 1">
-            <a:extLst>
-              <a:ext uri="{FF2B5EF4-FFF2-40B4-BE49-F238E27FC236}">
-                <a16:creationId xmlns:a16="http://schemas.microsoft.com/office/drawing/2014/main" id="{9050DFB8-41C5-D9FE-F072-A13EE5586570}"/>
-              </a:ext>
-            </a:extLst>
-          </p:cNvPr>
-          <p:cNvSpPr/>
-          <p:nvPr/>
-        </p:nvSpPr>
-        <p:spPr>
-          <a:xfrm>
-            <a:off x="1295400" y="2362200"/>
-            <a:ext cx="2057400" cy="1828800"/>
-          </a:xfrm>
-          <a:prstGeom prst="roundRect">
-            <a:avLst/>
-          </a:prstGeom>
-          <a:solidFill>
-            <a:schemeClr val="accent4">
-              <a:alpha val="50000"/>
-            </a:schemeClr>
-          </a:solidFill>
-          <a:ln>
-            <a:noFill/>
-          </a:ln>
-        </p:spPr>
-        <p:style>
-          <a:lnRef idx="0">
-            <a:scrgbClr r="0" g="0" b="0"/>
-          </a:lnRef>
-          <a:fillRef idx="0">
-            <a:scrgbClr r="0" g="0" b="0"/>
-          </a:fillRef>
-          <a:effectRef idx="0">
-            <a:scrgbClr r="0" g="0" b="0"/>
-          </a:effectRef>
-          <a:fontRef idx="minor">
-            <a:schemeClr val="lt1"/>
-          </a:fontRef>
-        </p:style>
-        <p:txBody>
-          <a:bodyPr rtlCol="0" anchor="ctr"/>
-          <a:lstStyle/>
-          <a:p>
-            <a:pPr algn="ctr"/>
-            <a:endParaRPr lang="en-US"/>
-          </a:p>
-        </p:txBody>
-      </p:sp>
-    </p:spTree>
-    <p:extLst>
-      <p:ext uri="{BB962C8B-B14F-4D97-AF65-F5344CB8AC3E}">
-        <p14:creationId xmlns:p14="http://schemas.microsoft.com/office/powerpoint/2010/main" val="1485922778"/>
-      </p:ext>
-    </p:extLst>
-  </p:cSld>
-  <p:clrMapOvr>
-    <a:masterClrMapping/>
-  </p:clrMapOvr>
-</p:sld>
-</file>
-
-<file path=ppt/slides/slide4.xml><?xml version="1.0" encoding="utf-8"?>
-<p:sld xmlns:a="http://schemas.openxmlformats.org/drawingml/2006/main" xmlns:r="http://schemas.openxmlformats.org/officeDocument/2006/relationships" xmlns:p="http://schemas.openxmlformats.org/presentationml/2006/main">
-  <p:cSld>
-    <p:spTree>
-      <p:nvGrpSpPr>
-        <p:cNvPr id="1" name=""/>
-        <p:cNvGrpSpPr/>
-        <p:nvPr/>
-      </p:nvGrpSpPr>
-      <p:grpSpPr>
-        <a:xfrm>
-          <a:off x="0" y="0"/>
-          <a:ext cx="0" cy="0"/>
-          <a:chOff x="0" y="0"/>
-          <a:chExt cx="0" cy="0"/>
-        </a:xfrm>
-      </p:grpSpPr>
-      <p:sp>
-        <p:nvSpPr>
-          <p:cNvPr id="2" name="Title 1">
-            <a:extLst>
-              <a:ext uri="{FF2B5EF4-FFF2-40B4-BE49-F238E27FC236}">
-                <a16:creationId xmlns:a16="http://schemas.microsoft.com/office/drawing/2014/main" id="{35E47EB5-32A9-F277-1601-4FD48E6ABF64}"/>
-              </a:ext>
-            </a:extLst>
-          </p:cNvPr>
-          <p:cNvSpPr>
-            <a:spLocks noGrp="1"/>
-          </p:cNvSpPr>
-          <p:nvPr>
-            <p:ph type="title"/>
-          </p:nvPr>
-        </p:nvSpPr>
-        <p:spPr/>
-        <p:txBody>
-          <a:bodyPr/>
-          <a:lstStyle/>
-          <a:p>
-            <a:r>
-              <a:rPr lang="en-US" dirty="0"/>
-              <a:t>Towards Arachne 1.5 and Beyond</a:t>
-            </a:r>
-          </a:p>
-        </p:txBody>
-      </p:sp>
-      <p:sp>
-        <p:nvSpPr>
-          <p:cNvPr id="3" name="Content Placeholder 2">
-            <a:extLst>
-              <a:ext uri="{FF2B5EF4-FFF2-40B4-BE49-F238E27FC236}">
-                <a16:creationId xmlns:a16="http://schemas.microsoft.com/office/drawing/2014/main" id="{15FFA817-BA76-18BC-1CBB-8976E57781BA}"/>
-              </a:ext>
-            </a:extLst>
-          </p:cNvPr>
-          <p:cNvSpPr>
-            <a:spLocks noGrp="1"/>
-          </p:cNvSpPr>
-          <p:nvPr>
-            <p:ph idx="1"/>
-          </p:nvPr>
-        </p:nvSpPr>
-        <p:spPr/>
-        <p:txBody>
-          <a:bodyPr/>
-          <a:lstStyle/>
-          <a:p>
-            <a:pPr marL="514350" indent="-514350">
-              <a:buFont typeface="+mj-lt"/>
-              <a:buAutoNum type="arabicPeriod"/>
-            </a:pPr>
-            <a:r>
-              <a:rPr lang="en-US" dirty="0"/>
-              <a:t>We show functionality for novel algorithms that perform well in shared-memory parallelism… how about distributed-memory?</a:t>
-            </a:r>
-          </a:p>
-          <a:p>
-            <a:pPr lvl="1"/>
-            <a:r>
-              <a:rPr lang="en-US" dirty="0"/>
-              <a:t>Arachne needs to show proof of scalability on distributed systems.</a:t>
-            </a:r>
-          </a:p>
-          <a:p>
-            <a:pPr lvl="1"/>
-            <a:r>
-              <a:rPr lang="en-US" dirty="0"/>
-              <a:t>This will provide a rounded software for all data scientists to run on personal devices through supercomputers. </a:t>
-            </a:r>
-          </a:p>
-          <a:p>
-            <a:pPr marL="514350" indent="-514350">
-              <a:buFont typeface="+mj-lt"/>
-              <a:buAutoNum type="arabicPeriod"/>
-            </a:pPr>
-            <a:r>
-              <a:rPr lang="en-US" dirty="0"/>
-              <a:t>Our current graph analysis package must be extended further with other very important graph analytical kernels such as community detection.</a:t>
-            </a:r>
-          </a:p>
-        </p:txBody>
-      </p:sp>
-      <p:sp>
-        <p:nvSpPr>
-          <p:cNvPr id="4" name="Date Placeholder 3">
-            <a:extLst>
-              <a:ext uri="{FF2B5EF4-FFF2-40B4-BE49-F238E27FC236}">
-                <a16:creationId xmlns:a16="http://schemas.microsoft.com/office/drawing/2014/main" id="{8A9662D5-AA1C-1885-EFE6-8CF186F53DB5}"/>
-              </a:ext>
-            </a:extLst>
-          </p:cNvPr>
-          <p:cNvSpPr>
-            <a:spLocks noGrp="1"/>
-          </p:cNvSpPr>
-          <p:nvPr>
-            <p:ph type="dt" sz="half" idx="10"/>
-          </p:nvPr>
-        </p:nvSpPr>
-        <p:spPr/>
-        <p:txBody>
-          <a:bodyPr/>
-          <a:lstStyle/>
-          <a:p>
-            <a:r>
-              <a:rPr lang="en-US"/>
-              <a:t>05 December 2022</a:t>
-            </a:r>
-          </a:p>
-        </p:txBody>
-      </p:sp>
-      <p:sp>
-        <p:nvSpPr>
-          <p:cNvPr id="5" name="Footer Placeholder 4">
-            <a:extLst>
-              <a:ext uri="{FF2B5EF4-FFF2-40B4-BE49-F238E27FC236}">
-                <a16:creationId xmlns:a16="http://schemas.microsoft.com/office/drawing/2014/main" id="{93571933-77EB-3992-86DE-CCC1CA21AD7B}"/>
-              </a:ext>
-            </a:extLst>
-          </p:cNvPr>
-          <p:cNvSpPr>
-            <a:spLocks noGrp="1"/>
-          </p:cNvSpPr>
-          <p:nvPr>
-            <p:ph type="ftr" sz="quarter" idx="11"/>
-          </p:nvPr>
-        </p:nvSpPr>
-        <p:spPr/>
-        <p:txBody>
-          <a:bodyPr/>
-          <a:lstStyle/>
-          <a:p>
-            <a:r>
-              <a:rPr lang="en-US"/>
-              <a:t>Oliver Alvarado Rodriguez</a:t>
-            </a:r>
-          </a:p>
-        </p:txBody>
-      </p:sp>
-      <p:sp>
-        <p:nvSpPr>
-          <p:cNvPr id="6" name="Slide Number Placeholder 5">
-            <a:extLst>
-              <a:ext uri="{FF2B5EF4-FFF2-40B4-BE49-F238E27FC236}">
-                <a16:creationId xmlns:a16="http://schemas.microsoft.com/office/drawing/2014/main" id="{4ACB69C8-823C-4B91-2BFC-FC43FBA7E826}"/>
-              </a:ext>
-            </a:extLst>
-          </p:cNvPr>
-          <p:cNvSpPr>
-            <a:spLocks noGrp="1"/>
-          </p:cNvSpPr>
-          <p:nvPr>
-            <p:ph type="sldNum" sz="quarter" idx="12"/>
-          </p:nvPr>
-        </p:nvSpPr>
-        <p:spPr/>
-        <p:txBody>
-          <a:bodyPr/>
-          <a:lstStyle/>
-          <a:p>
-            <a:fld id="{FBC21C09-1F28-420E-9762-2681B3C98751}" type="slidenum">
-              <a:rPr lang="en-US" smtClean="0"/>
-              <a:t>4</a:t>
-            </a:fld>
-            <a:endParaRPr lang="en-US"/>
-          </a:p>
-        </p:txBody>
-      </p:sp>
-    </p:spTree>
-    <p:extLst>
-      <p:ext uri="{BB962C8B-B14F-4D97-AF65-F5344CB8AC3E}">
-        <p14:creationId xmlns:p14="http://schemas.microsoft.com/office/powerpoint/2010/main" val="2427235843"/>
-      </p:ext>
-    </p:extLst>
-  </p:cSld>
-  <p:clrMapOvr>
-    <a:masterClrMapping/>
-  </p:clrMapOvr>
-</p:sld>
-</file>
-
-<file path=ppt/slides/slide5.xml><?xml version="1.0" encoding="utf-8"?>
-<p:sld xmlns:a="http://schemas.openxmlformats.org/drawingml/2006/main" xmlns:r="http://schemas.openxmlformats.org/officeDocument/2006/relationships" xmlns:p="http://schemas.openxmlformats.org/presentationml/2006/main">
-  <p:cSld>
-    <p:spTree>
-      <p:nvGrpSpPr>
-        <p:cNvPr id="1" name=""/>
-        <p:cNvGrpSpPr/>
-        <p:nvPr/>
-      </p:nvGrpSpPr>
-      <p:grpSpPr>
-        <a:xfrm>
-          <a:off x="0" y="0"/>
-          <a:ext cx="0" cy="0"/>
-          <a:chOff x="0" y="0"/>
-          <a:chExt cx="0" cy="0"/>
-        </a:xfrm>
-      </p:grpSpPr>
-      <p:sp>
-        <p:nvSpPr>
-          <p:cNvPr id="2" name="Title 1">
-            <a:extLst>
-              <a:ext uri="{FF2B5EF4-FFF2-40B4-BE49-F238E27FC236}">
                 <a16:creationId xmlns:a16="http://schemas.microsoft.com/office/drawing/2014/main" id="{213EC3E2-6517-6B90-95EF-A8F17766037E}"/>
               </a:ext>
             </a:extLst>
@@ -26320,14 +25655,31 @@
             <p:ph type="title"/>
           </p:nvPr>
         </p:nvSpPr>
-        <p:spPr/>
+        <p:spPr>
+          <a:xfrm>
+            <a:off x="457200" y="228600"/>
+            <a:ext cx="10896600" cy="1325563"/>
+          </a:xfrm>
+        </p:spPr>
         <p:txBody>
           <a:bodyPr/>
           <a:lstStyle/>
           <a:p>
             <a:r>
               <a:rPr lang="en-US" dirty="0"/>
-              <a:t>Hybrid Arachne</a:t>
+              <a:t>Scaling </a:t>
+            </a:r>
+            <a:r>
+              <a:rPr lang="en-US" dirty="0">
+                <a:solidFill>
+                  <a:srgbClr val="FF0000"/>
+                </a:solidFill>
+              </a:rPr>
+              <a:t>Arachne</a:t>
+            </a:r>
+            <a:r>
+              <a:rPr lang="en-US" dirty="0"/>
+              <a:t> from SMPs to MPPs &amp; Clusters</a:t>
             </a:r>
           </a:p>
         </p:txBody>
@@ -26411,7 +25763,7 @@
           <a:p>
             <a:fld id="{FBC21C09-1F28-420E-9762-2681B3C98751}" type="slidenum">
               <a:rPr lang="en-US" smtClean="0"/>
-              <a:t>5</a:t>
+              <a:t>2</a:t>
             </a:fld>
             <a:endParaRPr lang="en-US"/>
           </a:p>
@@ -27506,8 +26858,16 @@
           <a:p>
             <a:pPr algn="ctr"/>
             <a:r>
+              <a:rPr lang="en-US" dirty="0">
+                <a:solidFill>
+                  <a:srgbClr val="FF0000"/>
+                </a:solidFill>
+              </a:rPr>
+              <a:t>Arachne</a:t>
+            </a:r>
+            <a:r>
               <a:rPr lang="en-US" dirty="0"/>
-              <a:t>Arachne 1.5</a:t>
+              <a:t> 1.5</a:t>
             </a:r>
           </a:p>
         </p:txBody>
@@ -27846,7 +27206,7 @@
 </p:sld>
 </file>
 
-<file path=ppt/slides/slide6.xml><?xml version="1.0" encoding="utf-8"?>
+<file path=ppt/slides/slide3.xml><?xml version="1.0" encoding="utf-8"?>
 <p:sld xmlns:a="http://schemas.openxmlformats.org/drawingml/2006/main" xmlns:r="http://schemas.openxmlformats.org/officeDocument/2006/relationships" xmlns:p="http://schemas.openxmlformats.org/presentationml/2006/main">
   <p:cSld>
     <p:spTree>
@@ -27886,7 +27246,19 @@
           <a:p>
             <a:r>
               <a:rPr lang="en-US" dirty="0"/>
-              <a:t>Enhancing Arachne for Property Graphs</a:t>
+              <a:t>Enhancing </a:t>
+            </a:r>
+            <a:r>
+              <a:rPr lang="en-US" dirty="0">
+                <a:solidFill>
+                  <a:srgbClr val="FF0000"/>
+                </a:solidFill>
+              </a:rPr>
+              <a:t>Arachne</a:t>
+            </a:r>
+            <a:r>
+              <a:rPr lang="en-US" dirty="0"/>
+              <a:t> (2.0) for Property Graphs</a:t>
             </a:r>
           </a:p>
         </p:txBody>
@@ -27970,7 +27342,7 @@
           <a:p>
             <a:fld id="{FBC21C09-1F28-420E-9762-2681B3C98751}" type="slidenum">
               <a:rPr lang="en-US" smtClean="0"/>
-              <a:t>6</a:t>
+              <a:t>3</a:t>
             </a:fld>
             <a:endParaRPr lang="en-US"/>
           </a:p>
@@ -28413,7 +27785,7 @@
 </p:sld>
 </file>
 
-<file path=ppt/slides/slide7.xml><?xml version="1.0" encoding="utf-8"?>
+<file path=ppt/slides/slide4.xml><?xml version="1.0" encoding="utf-8"?>
 <p:sld xmlns:a="http://schemas.openxmlformats.org/drawingml/2006/main" xmlns:r="http://schemas.openxmlformats.org/officeDocument/2006/relationships" xmlns:p="http://schemas.openxmlformats.org/presentationml/2006/main">
   <p:cSld>
     <p:spTree>
@@ -28481,25 +27853,73 @@
           <a:p>
             <a:r>
               <a:rPr lang="en-US" dirty="0"/>
-              <a:t>We have shown proof of concept of Arachne through breadth-first search, truss analytics, connected components, etc. </a:t>
+              <a:t>We have shown the usability of </a:t>
+            </a:r>
+            <a:r>
+              <a:rPr lang="en-US" dirty="0">
+                <a:solidFill>
+                  <a:srgbClr val="7030A0"/>
+                </a:solidFill>
+              </a:rPr>
+              <a:t>Arkouda</a:t>
+            </a:r>
+            <a:r>
+              <a:rPr lang="en-US" dirty="0"/>
+              <a:t> for large-scale data analysis.</a:t>
             </a:r>
           </a:p>
           <a:p>
             <a:r>
               <a:rPr lang="en-US" dirty="0"/>
-              <a:t>We have outlined our goals of fleshing out Arachne to be memory-hybrid solution for all graph analysis. </a:t>
+              <a:t>We have shown proof of concept of </a:t>
+            </a:r>
+            <a:r>
+              <a:rPr lang="en-US" dirty="0">
+                <a:solidFill>
+                  <a:srgbClr val="FF0000"/>
+                </a:solidFill>
+              </a:rPr>
+              <a:t>Arachne</a:t>
+            </a:r>
+            <a:r>
+              <a:rPr lang="en-US" dirty="0"/>
+              <a:t> through breadth-first search, truss analytics, connected components, etc. </a:t>
             </a:r>
           </a:p>
           <a:p>
             <a:r>
               <a:rPr lang="en-US" dirty="0"/>
-              <a:t>We propose the addition of a community detection suite that will take into consideration everything we learn from creating a hybrid graph analytical suite.</a:t>
+              <a:t>We have outlined our goals of fleshing out </a:t>
+            </a:r>
+            <a:r>
+              <a:rPr lang="en-US" dirty="0">
+                <a:solidFill>
+                  <a:srgbClr val="FF0000"/>
+                </a:solidFill>
+              </a:rPr>
+              <a:t>Arachne</a:t>
+            </a:r>
+            <a:r>
+              <a:rPr lang="en-US" dirty="0"/>
+              <a:t> to be a hybrid solution for (property) graph analysis scaling from SMPs to MPPs and clusters</a:t>
             </a:r>
           </a:p>
           <a:p>
             <a:r>
               <a:rPr lang="en-US" dirty="0"/>
-              <a:t>We have outlined future optional problems that may arise.</a:t>
+              <a:t>We have outlined the blueprint for the future of </a:t>
+            </a:r>
+            <a:r>
+              <a:rPr lang="en-US" dirty="0">
+                <a:solidFill>
+                  <a:srgbClr val="FF0000"/>
+                </a:solidFill>
+              </a:rPr>
+              <a:t>Arachne</a:t>
+            </a:r>
+            <a:r>
+              <a:rPr lang="en-US" dirty="0"/>
+              <a:t>.</a:t>
             </a:r>
           </a:p>
         </p:txBody>
@@ -28583,7 +28003,7 @@
           <a:p>
             <a:fld id="{FBC21C09-1F28-420E-9762-2681B3C98751}" type="slidenum">
               <a:rPr lang="en-US" smtClean="0"/>
-              <a:t>7</a:t>
+              <a:t>4</a:t>
             </a:fld>
             <a:endParaRPr lang="en-US"/>
           </a:p>
@@ -28602,7 +28022,7 @@
 </p:sld>
 </file>
 
-<file path=ppt/slides/slide8.xml><?xml version="1.0" encoding="utf-8"?>
+<file path=ppt/slides/slide5.xml><?xml version="1.0" encoding="utf-8"?>
 <p:sld xmlns:a="http://schemas.openxmlformats.org/drawingml/2006/main" xmlns:r="http://schemas.openxmlformats.org/officeDocument/2006/relationships" xmlns:p="http://schemas.openxmlformats.org/presentationml/2006/main">
   <p:cSld>
     <p:spTree>
@@ -28750,7 +28170,7 @@
           <a:p>
             <a:fld id="{FBC21C09-1F28-420E-9762-2681B3C98751}" type="slidenum">
               <a:rPr lang="en-US" smtClean="0"/>
-              <a:t>8</a:t>
+              <a:t>5</a:t>
             </a:fld>
             <a:endParaRPr lang="en-US"/>
           </a:p>
